--- a/NgRx/Ngrx.pptx
+++ b/NgRx/Ngrx.pptx
@@ -119,6 +119,11 @@
       </a:defRPr>
     </a:lvl9pPr>
   </p:defaultTextStyle>
+  <p:extLst>
+    <p:ext uri="{EFAFB233-063F-42B5-8137-9DF3F51BA10A}">
+      <p15:sldGuideLst xmlns:p15="http://schemas.microsoft.com/office/powerpoint/2012/main"/>
+    </p:ext>
+  </p:extLst>
 </p:presentation>
 </file>
 
@@ -313,7 +318,7 @@
           <a:p>
             <a:fld id="{BB941D6C-D6C1-41EB-BA2F-D2D7A1B80576}" type="datetimeFigureOut">
               <a:rPr lang="en-US" smtClean="0"/>
-              <a:t>10/13/2018</a:t>
+              <a:t>10/14/2018</a:t>
             </a:fld>
             <a:endParaRPr lang="en-US"/>
           </a:p>
@@ -749,7 +754,7 @@
           <a:p>
             <a:fld id="{BB941D6C-D6C1-41EB-BA2F-D2D7A1B80576}" type="datetimeFigureOut">
               <a:rPr lang="en-US" smtClean="0"/>
-              <a:t>10/13/2018</a:t>
+              <a:t>10/14/2018</a:t>
             </a:fld>
             <a:endParaRPr lang="en-US"/>
           </a:p>
@@ -999,7 +1004,7 @@
           <a:p>
             <a:fld id="{BB941D6C-D6C1-41EB-BA2F-D2D7A1B80576}" type="datetimeFigureOut">
               <a:rPr lang="en-US" smtClean="0"/>
-              <a:t>10/13/2018</a:t>
+              <a:t>10/14/2018</a:t>
             </a:fld>
             <a:endParaRPr lang="en-US"/>
           </a:p>
@@ -1307,7 +1312,7 @@
           <a:p>
             <a:fld id="{BB941D6C-D6C1-41EB-BA2F-D2D7A1B80576}" type="datetimeFigureOut">
               <a:rPr lang="en-US" smtClean="0"/>
-              <a:t>10/13/2018</a:t>
+              <a:t>10/14/2018</a:t>
             </a:fld>
             <a:endParaRPr lang="en-US"/>
           </a:p>
@@ -1625,7 +1630,7 @@
           <a:p>
             <a:fld id="{BB941D6C-D6C1-41EB-BA2F-D2D7A1B80576}" type="datetimeFigureOut">
               <a:rPr lang="en-US" smtClean="0"/>
-              <a:t>10/13/2018</a:t>
+              <a:t>10/14/2018</a:t>
             </a:fld>
             <a:endParaRPr lang="en-US"/>
           </a:p>
@@ -1927,7 +1932,7 @@
           <a:p>
             <a:fld id="{BB941D6C-D6C1-41EB-BA2F-D2D7A1B80576}" type="datetimeFigureOut">
               <a:rPr lang="en-US" smtClean="0"/>
-              <a:t>10/13/2018</a:t>
+              <a:t>10/14/2018</a:t>
             </a:fld>
             <a:endParaRPr lang="en-US"/>
           </a:p>
@@ -2294,7 +2299,7 @@
           <a:p>
             <a:fld id="{BB941D6C-D6C1-41EB-BA2F-D2D7A1B80576}" type="datetimeFigureOut">
               <a:rPr lang="en-US" smtClean="0"/>
-              <a:t>10/13/2018</a:t>
+              <a:t>10/14/2018</a:t>
             </a:fld>
             <a:endParaRPr lang="en-US"/>
           </a:p>
@@ -2468,7 +2473,7 @@
           <a:p>
             <a:fld id="{BB941D6C-D6C1-41EB-BA2F-D2D7A1B80576}" type="datetimeFigureOut">
               <a:rPr lang="en-US" smtClean="0"/>
-              <a:t>10/13/2018</a:t>
+              <a:t>10/14/2018</a:t>
             </a:fld>
             <a:endParaRPr lang="en-US"/>
           </a:p>
@@ -2648,7 +2653,7 @@
           <a:p>
             <a:fld id="{BB941D6C-D6C1-41EB-BA2F-D2D7A1B80576}" type="datetimeFigureOut">
               <a:rPr lang="en-US" smtClean="0"/>
-              <a:t>10/13/2018</a:t>
+              <a:t>10/14/2018</a:t>
             </a:fld>
             <a:endParaRPr lang="en-US"/>
           </a:p>
@@ -2818,7 +2823,7 @@
           <a:p>
             <a:fld id="{BB941D6C-D6C1-41EB-BA2F-D2D7A1B80576}" type="datetimeFigureOut">
               <a:rPr lang="en-US" smtClean="0"/>
-              <a:t>10/13/2018</a:t>
+              <a:t>10/14/2018</a:t>
             </a:fld>
             <a:endParaRPr lang="en-US"/>
           </a:p>
@@ -3068,7 +3073,7 @@
           <a:p>
             <a:fld id="{BB941D6C-D6C1-41EB-BA2F-D2D7A1B80576}" type="datetimeFigureOut">
               <a:rPr lang="en-US" smtClean="0"/>
-              <a:t>10/13/2018</a:t>
+              <a:t>10/14/2018</a:t>
             </a:fld>
             <a:endParaRPr lang="en-US"/>
           </a:p>
@@ -3304,7 +3309,7 @@
           <a:p>
             <a:fld id="{BB941D6C-D6C1-41EB-BA2F-D2D7A1B80576}" type="datetimeFigureOut">
               <a:rPr lang="en-US" smtClean="0"/>
-              <a:t>10/13/2018</a:t>
+              <a:t>10/14/2018</a:t>
             </a:fld>
             <a:endParaRPr lang="en-US"/>
           </a:p>
@@ -3686,7 +3691,7 @@
           <a:p>
             <a:fld id="{BB941D6C-D6C1-41EB-BA2F-D2D7A1B80576}" type="datetimeFigureOut">
               <a:rPr lang="en-US" smtClean="0"/>
-              <a:t>10/13/2018</a:t>
+              <a:t>10/14/2018</a:t>
             </a:fld>
             <a:endParaRPr lang="en-US"/>
           </a:p>
@@ -3804,7 +3809,7 @@
           <a:p>
             <a:fld id="{BB941D6C-D6C1-41EB-BA2F-D2D7A1B80576}" type="datetimeFigureOut">
               <a:rPr lang="en-US" smtClean="0"/>
-              <a:t>10/13/2018</a:t>
+              <a:t>10/14/2018</a:t>
             </a:fld>
             <a:endParaRPr lang="en-US"/>
           </a:p>
@@ -3899,7 +3904,7 @@
           <a:p>
             <a:fld id="{BB941D6C-D6C1-41EB-BA2F-D2D7A1B80576}" type="datetimeFigureOut">
               <a:rPr lang="en-US" smtClean="0"/>
-              <a:t>10/13/2018</a:t>
+              <a:t>10/14/2018</a:t>
             </a:fld>
             <a:endParaRPr lang="en-US"/>
           </a:p>
@@ -4154,7 +4159,7 @@
           <a:p>
             <a:fld id="{BB941D6C-D6C1-41EB-BA2F-D2D7A1B80576}" type="datetimeFigureOut">
               <a:rPr lang="en-US" smtClean="0"/>
-              <a:t>10/13/2018</a:t>
+              <a:t>10/14/2018</a:t>
             </a:fld>
             <a:endParaRPr lang="en-US"/>
           </a:p>
@@ -4437,7 +4442,7 @@
           <a:p>
             <a:fld id="{BB941D6C-D6C1-41EB-BA2F-D2D7A1B80576}" type="datetimeFigureOut">
               <a:rPr lang="en-US" smtClean="0"/>
-              <a:t>10/13/2018</a:t>
+              <a:t>10/14/2018</a:t>
             </a:fld>
             <a:endParaRPr lang="en-US"/>
           </a:p>
@@ -4843,7 +4848,7 @@
           <a:p>
             <a:fld id="{BB941D6C-D6C1-41EB-BA2F-D2D7A1B80576}" type="datetimeFigureOut">
               <a:rPr lang="en-US" smtClean="0"/>
-              <a:t>10/13/2018</a:t>
+              <a:t>10/14/2018</a:t>
             </a:fld>
             <a:endParaRPr lang="en-US"/>
           </a:p>
@@ -6099,7 +6104,7 @@
         </p:nvSpPr>
         <p:spPr>
           <a:xfrm>
-            <a:off x="684212" y="5350933"/>
+            <a:off x="597126" y="5411893"/>
             <a:ext cx="8534400" cy="1507067"/>
           </a:xfrm>
         </p:spPr>
@@ -6139,7 +6144,7 @@
         </p:blipFill>
         <p:spPr>
           <a:xfrm>
-            <a:off x="684212" y="1723244"/>
+            <a:off x="684212" y="1688410"/>
             <a:ext cx="7853946" cy="3822421"/>
           </a:xfrm>
         </p:spPr>
@@ -6232,6 +6237,13 @@
   <p:clrMapOvr>
     <a:masterClrMapping/>
   </p:clrMapOvr>
+  <p:timing>
+    <p:tnLst>
+      <p:par>
+        <p:cTn id="1" dur="indefinite" restart="never" nodeType="tmRoot"/>
+      </p:par>
+    </p:tnLst>
+  </p:timing>
 </p:sld>
 </file>
 
@@ -6295,8 +6307,8 @@
         </p:blipFill>
         <p:spPr>
           <a:xfrm>
-            <a:off x="684212" y="313509"/>
-            <a:ext cx="8534400" cy="3987029"/>
+            <a:off x="684211" y="313509"/>
+            <a:ext cx="10215299" cy="5680890"/>
           </a:xfrm>
         </p:spPr>
       </p:pic>
@@ -6310,6 +6322,13 @@
   <p:clrMapOvr>
     <a:masterClrMapping/>
   </p:clrMapOvr>
+  <p:timing>
+    <p:tnLst>
+      <p:par>
+        <p:cTn id="1" dur="indefinite" restart="never" nodeType="tmRoot"/>
+      </p:par>
+    </p:tnLst>
+  </p:timing>
 </p:sld>
 </file>
 
@@ -6559,8 +6578,23 @@
                 </a:solidFill>
                 <a:latin typeface="Century Gothic (Headings)"/>
               </a:rPr>
-              <a:t>Redux architect</a:t>
-            </a:r>
+              <a:t>Redux </a:t>
+            </a:r>
+            <a:r>
+              <a:rPr lang="en-US" dirty="0">
+                <a:solidFill>
+                  <a:schemeClr val="tx1"/>
+                </a:solidFill>
+                <a:latin typeface="Century Gothic (Headings)"/>
+              </a:rPr>
+              <a:t>architecture</a:t>
+            </a:r>
+            <a:endParaRPr lang="en-US" dirty="0" smtClean="0">
+              <a:solidFill>
+                <a:schemeClr val="tx1"/>
+              </a:solidFill>
+              <a:latin typeface="Century Gothic (Headings)"/>
+            </a:endParaRPr>
           </a:p>
           <a:p>
             <a:r>
@@ -6570,8 +6604,32 @@
                 </a:solidFill>
                 <a:latin typeface="Century Gothic (Headings)"/>
               </a:rPr>
-              <a:t>Overview</a:t>
-            </a:r>
+              <a:t>Overview of </a:t>
+            </a:r>
+            <a:r>
+              <a:rPr lang="en-US" dirty="0" err="1" smtClean="0">
+                <a:solidFill>
+                  <a:schemeClr val="tx1"/>
+                </a:solidFill>
+                <a:latin typeface="Century Gothic (Headings)"/>
+              </a:rPr>
+              <a:t>NgRX</a:t>
+            </a:r>
+            <a:r>
+              <a:rPr lang="en-US" dirty="0">
+                <a:solidFill>
+                  <a:schemeClr val="tx1"/>
+                </a:solidFill>
+                <a:latin typeface="Century Gothic (Headings)"/>
+              </a:rPr>
+              <a:t> architecture</a:t>
+            </a:r>
+            <a:endParaRPr lang="en-US" dirty="0" smtClean="0">
+              <a:solidFill>
+                <a:schemeClr val="tx1"/>
+              </a:solidFill>
+              <a:latin typeface="Century Gothic (Headings)"/>
+            </a:endParaRPr>
           </a:p>
           <a:p>
             <a:r>
@@ -6805,12 +6863,6 @@
               </a:rPr>
               <a:t> meaning we can reliably access the state of the app from this one place rather than components of the app holding their own state and having to communicate and pass data between them. This reduces the communication between components which is particularly helpful to scale our app without adding more complexity.</a:t>
             </a:r>
-            <a:endParaRPr lang="en-US" dirty="0">
-              <a:solidFill>
-                <a:schemeClr val="tx1"/>
-              </a:solidFill>
-              <a:latin typeface="Century Gothic (Body)"/>
-            </a:endParaRPr>
           </a:p>
         </p:txBody>
       </p:sp>
@@ -6917,7 +6969,16 @@
                 </a:solidFill>
                 <a:latin typeface="Century Gothic (Body)"/>
               </a:rPr>
-              <a:t>- Single source of truth (</a:t>
+              <a:t>Single </a:t>
+            </a:r>
+            <a:r>
+              <a:rPr lang="en-US" dirty="0" smtClean="0">
+                <a:solidFill>
+                  <a:schemeClr val="tx1"/>
+                </a:solidFill>
+                <a:latin typeface="Century Gothic (Body)"/>
+              </a:rPr>
+              <a:t>source of truth (</a:t>
             </a:r>
             <a:r>
               <a:rPr lang="en-US" b="1" dirty="0" smtClean="0">
@@ -6946,10 +7007,8 @@
                 </a:solidFill>
                 <a:latin typeface="Century Gothic (Body)"/>
               </a:rPr>
-              <a:t>- Local cache of data</a:t>
-            </a:r>
-          </a:p>
-          <a:p>
+              <a:t>Local </a:t>
+            </a:r>
             <a:r>
               <a:rPr lang="en-US" dirty="0" smtClean="0">
                 <a:solidFill>
@@ -6957,7 +7016,7 @@
                 </a:solidFill>
                 <a:latin typeface="Century Gothic (Body)"/>
               </a:rPr>
-              <a:t>- Render item instantly</a:t>
+              <a:t>cache of data</a:t>
             </a:r>
           </a:p>
           <a:p>
@@ -6968,10 +7027,48 @@
                 </a:solidFill>
                 <a:latin typeface="Century Gothic (Body)"/>
               </a:rPr>
-              <a:t>- Avoid round trip to API</a:t>
-            </a:r>
-          </a:p>
-          <a:p>
+              <a:t>Render </a:t>
+            </a:r>
+            <a:r>
+              <a:rPr lang="en-US" dirty="0" smtClean="0">
+                <a:solidFill>
+                  <a:schemeClr val="tx1"/>
+                </a:solidFill>
+                <a:latin typeface="Century Gothic (Body)"/>
+              </a:rPr>
+              <a:t>item instantly</a:t>
+            </a:r>
+          </a:p>
+          <a:p>
+            <a:r>
+              <a:rPr lang="en-US" dirty="0" smtClean="0">
+                <a:solidFill>
+                  <a:schemeClr val="tx1"/>
+                </a:solidFill>
+                <a:latin typeface="Century Gothic (Body)"/>
+              </a:rPr>
+              <a:t>Avoid </a:t>
+            </a:r>
+            <a:r>
+              <a:rPr lang="en-US" dirty="0" smtClean="0">
+                <a:solidFill>
+                  <a:schemeClr val="tx1"/>
+                </a:solidFill>
+                <a:latin typeface="Century Gothic (Body)"/>
+              </a:rPr>
+              <a:t>round trip to API</a:t>
+            </a:r>
+          </a:p>
+          <a:p>
+            <a:r>
+              <a:rPr lang="en-US" dirty="0" smtClean="0">
+                <a:solidFill>
+                  <a:schemeClr val="tx1"/>
+                </a:solidFill>
+                <a:latin typeface="Century Gothic (Body)"/>
+              </a:rPr>
+              <a:t>Scalable </a:t>
+            </a:r>
             <a:r>
               <a:rPr lang="en-US" dirty="0">
                 <a:solidFill>
@@ -6979,7 +7076,7 @@
                 </a:solidFill>
                 <a:latin typeface="Century Gothic (Body)"/>
               </a:rPr>
-              <a:t>- Scalable for </a:t>
+              <a:t>for </a:t>
             </a:r>
             <a:r>
               <a:rPr lang="en-US" dirty="0" smtClean="0">
@@ -6988,11 +7085,8 @@
                 </a:solidFill>
                 <a:latin typeface="Century Gothic (Body)"/>
               </a:rPr>
-              <a:t>large app</a:t>
-            </a:r>
-          </a:p>
-          <a:p>
-            <a:pPr fontAlgn="base"/>
+              <a:t>large </a:t>
+            </a:r>
             <a:r>
               <a:rPr lang="en-US" dirty="0" smtClean="0">
                 <a:solidFill>
@@ -7000,40 +7094,8 @@
                 </a:solidFill>
                 <a:latin typeface="Century Gothic (Body)"/>
               </a:rPr>
-              <a:t>- State </a:t>
-            </a:r>
-            <a:r>
-              <a:rPr lang="en-US" dirty="0">
-                <a:solidFill>
-                  <a:schemeClr val="tx1"/>
-                </a:solidFill>
-                <a:latin typeface="Century Gothic (Body)"/>
-              </a:rPr>
-              <a:t>is read-only</a:t>
-            </a:r>
-          </a:p>
-          <a:p>
-            <a:pPr fontAlgn="base"/>
-            <a:r>
-              <a:rPr lang="en-US" dirty="0" smtClean="0">
-                <a:solidFill>
-                  <a:schemeClr val="tx1"/>
-                </a:solidFill>
-                <a:latin typeface="Century Gothic (Body)"/>
-              </a:rPr>
-              <a:t>- Changes </a:t>
-            </a:r>
-            <a:r>
-              <a:rPr lang="en-US" dirty="0">
-                <a:solidFill>
-                  <a:schemeClr val="tx1"/>
-                </a:solidFill>
-                <a:latin typeface="Century Gothic (Body)"/>
-              </a:rPr>
-              <a:t>are made with pure functions</a:t>
-            </a:r>
-          </a:p>
-          <a:p>
+              <a:t>app</a:t>
+            </a:r>
             <a:endParaRPr lang="en-US" dirty="0">
               <a:solidFill>
                 <a:schemeClr val="tx1"/>
@@ -7120,8 +7182,8 @@
         </p:nvSpPr>
         <p:spPr>
           <a:xfrm>
-            <a:off x="684212" y="685800"/>
-            <a:ext cx="8534400" cy="4312920"/>
+            <a:off x="684212" y="685799"/>
+            <a:ext cx="8534400" cy="5584371"/>
           </a:xfrm>
         </p:spPr>
         <p:txBody>
@@ -7137,8 +7199,23 @@
                 </a:solidFill>
                 <a:latin typeface="+mj-lt"/>
               </a:rPr>
-              <a:t>We can’t mutate the application state. State is immutable.</a:t>
-            </a:r>
+              <a:t>We can’t mutate the application state. State is immutable</a:t>
+            </a:r>
+            <a:r>
+              <a:rPr lang="en-US" dirty="0" smtClean="0">
+                <a:solidFill>
+                  <a:schemeClr val="tx1"/>
+                </a:solidFill>
+                <a:latin typeface="+mj-lt"/>
+              </a:rPr>
+              <a:t>.</a:t>
+            </a:r>
+            <a:endParaRPr lang="en-US" dirty="0">
+              <a:solidFill>
+                <a:schemeClr val="tx1"/>
+              </a:solidFill>
+              <a:latin typeface="+mj-lt"/>
+            </a:endParaRPr>
           </a:p>
           <a:p>
             <a:r>
@@ -7146,12 +7223,25 @@
                 <a:solidFill>
                   <a:schemeClr val="tx1"/>
                 </a:solidFill>
+              </a:rPr>
+              <a:t>Actions describe state changes.</a:t>
+            </a:r>
+            <a:endParaRPr lang="en-US" dirty="0">
+              <a:solidFill>
+                <a:schemeClr val="tx1"/>
+              </a:solidFill>
+            </a:endParaRPr>
+          </a:p>
+          <a:p>
+            <a:r>
+              <a:rPr lang="en-US" dirty="0" smtClean="0">
+                <a:solidFill>
+                  <a:schemeClr val="tx1"/>
+                </a:solidFill>
                 <a:latin typeface="+mj-lt"/>
               </a:rPr>
-              <a:t>State mutation can only be done by dispatching Actions.</a:t>
-            </a:r>
-          </a:p>
-          <a:p>
+              <a:t>State </a:t>
+            </a:r>
             <a:r>
               <a:rPr lang="en-US" dirty="0">
                 <a:solidFill>
@@ -7159,7 +7249,7 @@
                 </a:solidFill>
                 <a:latin typeface="+mj-lt"/>
               </a:rPr>
-              <a:t>Only pure Reducer functions are capable of changing Application State</a:t>
+              <a:t>mutation can only be done by dispatching Actions</a:t>
             </a:r>
             <a:r>
               <a:rPr lang="en-US" dirty="0" smtClean="0">
@@ -7170,6 +7260,11 @@
               </a:rPr>
               <a:t>.</a:t>
             </a:r>
+            <a:endParaRPr lang="en-US" dirty="0">
+              <a:solidFill>
+                <a:schemeClr val="tx1"/>
+              </a:solidFill>
+            </a:endParaRPr>
           </a:p>
           <a:p>
             <a:r>
@@ -7177,12 +7272,33 @@
                 <a:solidFill>
                   <a:schemeClr val="tx1"/>
                 </a:solidFill>
+              </a:rPr>
+              <a:t>Changes are made with pure </a:t>
+            </a:r>
+            <a:r>
+              <a:rPr lang="en-US" dirty="0" smtClean="0">
+                <a:solidFill>
+                  <a:schemeClr val="tx1"/>
+                </a:solidFill>
+              </a:rPr>
+              <a:t>functions.</a:t>
+            </a:r>
+            <a:endParaRPr lang="en-US" dirty="0">
+              <a:solidFill>
+                <a:schemeClr val="tx1"/>
+              </a:solidFill>
+            </a:endParaRPr>
+          </a:p>
+          <a:p>
+            <a:r>
+              <a:rPr lang="en-US" dirty="0" smtClean="0">
+                <a:solidFill>
+                  <a:schemeClr val="tx1"/>
+                </a:solidFill>
                 <a:latin typeface="+mj-lt"/>
               </a:rPr>
-              <a:t>Actions describe state changes.</a:t>
-            </a:r>
-          </a:p>
-          <a:p>
+              <a:t>Only </a:t>
+            </a:r>
             <a:r>
               <a:rPr lang="en-US" dirty="0">
                 <a:solidFill>
@@ -7190,7 +7306,7 @@
                 </a:solidFill>
                 <a:latin typeface="+mj-lt"/>
               </a:rPr>
-              <a:t>Pure functions called reducers take the previous state and the next action to compute the new state</a:t>
+              <a:t>pure Reducer functions are capable of changing Application State</a:t>
             </a:r>
             <a:r>
               <a:rPr lang="en-US" dirty="0" smtClean="0">
@@ -7200,6 +7316,17 @@
                 <a:latin typeface="+mj-lt"/>
               </a:rPr>
               <a:t>.</a:t>
+            </a:r>
+          </a:p>
+          <a:p>
+            <a:r>
+              <a:rPr lang="en-US" dirty="0" smtClean="0">
+                <a:solidFill>
+                  <a:schemeClr val="tx1"/>
+                </a:solidFill>
+                <a:latin typeface="+mj-lt"/>
+              </a:rPr>
+              <a:t>Pure functions called reducers take the previous state and the next action to compute the new state.</a:t>
             </a:r>
           </a:p>
           <a:p>
@@ -7472,7 +7599,12 @@
             <p:ph type="title"/>
           </p:nvPr>
         </p:nvSpPr>
-        <p:spPr/>
+        <p:spPr>
+          <a:xfrm>
+            <a:off x="536166" y="4478624"/>
+            <a:ext cx="8534400" cy="1507067"/>
+          </a:xfrm>
+        </p:spPr>
         <p:txBody>
           <a:bodyPr/>
           <a:lstStyle/>
@@ -7481,7 +7613,19 @@
               <a:rPr lang="en-US" dirty="0">
                 <a:latin typeface="Century Gothic (Headings)"/>
               </a:rPr>
-              <a:t>Redux architect</a:t>
+              <a:t>Redux </a:t>
+            </a:r>
+            <a:r>
+              <a:rPr lang="en-US" dirty="0">
+                <a:latin typeface="Century Gothic (Headings)"/>
+              </a:rPr>
+              <a:t>architecture</a:t>
+            </a:r>
+            <a:r>
+              <a:rPr lang="en-US" dirty="0">
+                <a:latin typeface="Century Gothic (Headings)"/>
+              </a:rPr>
+              <a:t/>
             </a:r>
             <a:br>
               <a:rPr lang="en-US" dirty="0">
@@ -7568,14 +7712,19 @@
             <p:ph type="title"/>
           </p:nvPr>
         </p:nvSpPr>
-        <p:spPr/>
+        <p:spPr>
+          <a:xfrm>
+            <a:off x="475206" y="4600543"/>
+            <a:ext cx="8534400" cy="1507067"/>
+          </a:xfrm>
+        </p:spPr>
         <p:txBody>
           <a:bodyPr/>
           <a:lstStyle/>
           <a:p>
             <a:r>
-              <a:rPr lang="en-US" dirty="0" err="1" smtClean="0"/>
-              <a:t>OVerview</a:t>
+              <a:rPr lang="en-US" dirty="0"/>
+              <a:t>Overview of NGRX architecture</a:t>
             </a:r>
             <a:endParaRPr lang="en-US" dirty="0"/>
           </a:p>
@@ -7605,7 +7754,7 @@
         </p:blipFill>
         <p:spPr>
           <a:xfrm>
-            <a:off x="487680" y="685799"/>
+            <a:off x="539931" y="543489"/>
             <a:ext cx="9361714" cy="3943843"/>
           </a:xfrm>
         </p:spPr>

--- a/NgRx/Ngrx.pptx
+++ b/NgRx/Ngrx.pptx
@@ -318,7 +318,7 @@
           <a:p>
             <a:fld id="{BB941D6C-D6C1-41EB-BA2F-D2D7A1B80576}" type="datetimeFigureOut">
               <a:rPr lang="en-US" smtClean="0"/>
-              <a:t>10/14/2018</a:t>
+              <a:t>11/14/2018</a:t>
             </a:fld>
             <a:endParaRPr lang="en-US"/>
           </a:p>
@@ -754,7 +754,7 @@
           <a:p>
             <a:fld id="{BB941D6C-D6C1-41EB-BA2F-D2D7A1B80576}" type="datetimeFigureOut">
               <a:rPr lang="en-US" smtClean="0"/>
-              <a:t>10/14/2018</a:t>
+              <a:t>11/14/2018</a:t>
             </a:fld>
             <a:endParaRPr lang="en-US"/>
           </a:p>
@@ -1004,7 +1004,7 @@
           <a:p>
             <a:fld id="{BB941D6C-D6C1-41EB-BA2F-D2D7A1B80576}" type="datetimeFigureOut">
               <a:rPr lang="en-US" smtClean="0"/>
-              <a:t>10/14/2018</a:t>
+              <a:t>11/14/2018</a:t>
             </a:fld>
             <a:endParaRPr lang="en-US"/>
           </a:p>
@@ -1312,7 +1312,7 @@
           <a:p>
             <a:fld id="{BB941D6C-D6C1-41EB-BA2F-D2D7A1B80576}" type="datetimeFigureOut">
               <a:rPr lang="en-US" smtClean="0"/>
-              <a:t>10/14/2018</a:t>
+              <a:t>11/14/2018</a:t>
             </a:fld>
             <a:endParaRPr lang="en-US"/>
           </a:p>
@@ -1630,7 +1630,7 @@
           <a:p>
             <a:fld id="{BB941D6C-D6C1-41EB-BA2F-D2D7A1B80576}" type="datetimeFigureOut">
               <a:rPr lang="en-US" smtClean="0"/>
-              <a:t>10/14/2018</a:t>
+              <a:t>11/14/2018</a:t>
             </a:fld>
             <a:endParaRPr lang="en-US"/>
           </a:p>
@@ -1932,7 +1932,7 @@
           <a:p>
             <a:fld id="{BB941D6C-D6C1-41EB-BA2F-D2D7A1B80576}" type="datetimeFigureOut">
               <a:rPr lang="en-US" smtClean="0"/>
-              <a:t>10/14/2018</a:t>
+              <a:t>11/14/2018</a:t>
             </a:fld>
             <a:endParaRPr lang="en-US"/>
           </a:p>
@@ -2299,7 +2299,7 @@
           <a:p>
             <a:fld id="{BB941D6C-D6C1-41EB-BA2F-D2D7A1B80576}" type="datetimeFigureOut">
               <a:rPr lang="en-US" smtClean="0"/>
-              <a:t>10/14/2018</a:t>
+              <a:t>11/14/2018</a:t>
             </a:fld>
             <a:endParaRPr lang="en-US"/>
           </a:p>
@@ -2473,7 +2473,7 @@
           <a:p>
             <a:fld id="{BB941D6C-D6C1-41EB-BA2F-D2D7A1B80576}" type="datetimeFigureOut">
               <a:rPr lang="en-US" smtClean="0"/>
-              <a:t>10/14/2018</a:t>
+              <a:t>11/14/2018</a:t>
             </a:fld>
             <a:endParaRPr lang="en-US"/>
           </a:p>
@@ -2653,7 +2653,7 @@
           <a:p>
             <a:fld id="{BB941D6C-D6C1-41EB-BA2F-D2D7A1B80576}" type="datetimeFigureOut">
               <a:rPr lang="en-US" smtClean="0"/>
-              <a:t>10/14/2018</a:t>
+              <a:t>11/14/2018</a:t>
             </a:fld>
             <a:endParaRPr lang="en-US"/>
           </a:p>
@@ -2823,7 +2823,7 @@
           <a:p>
             <a:fld id="{BB941D6C-D6C1-41EB-BA2F-D2D7A1B80576}" type="datetimeFigureOut">
               <a:rPr lang="en-US" smtClean="0"/>
-              <a:t>10/14/2018</a:t>
+              <a:t>11/14/2018</a:t>
             </a:fld>
             <a:endParaRPr lang="en-US"/>
           </a:p>
@@ -3073,7 +3073,7 @@
           <a:p>
             <a:fld id="{BB941D6C-D6C1-41EB-BA2F-D2D7A1B80576}" type="datetimeFigureOut">
               <a:rPr lang="en-US" smtClean="0"/>
-              <a:t>10/14/2018</a:t>
+              <a:t>11/14/2018</a:t>
             </a:fld>
             <a:endParaRPr lang="en-US"/>
           </a:p>
@@ -3309,7 +3309,7 @@
           <a:p>
             <a:fld id="{BB941D6C-D6C1-41EB-BA2F-D2D7A1B80576}" type="datetimeFigureOut">
               <a:rPr lang="en-US" smtClean="0"/>
-              <a:t>10/14/2018</a:t>
+              <a:t>11/14/2018</a:t>
             </a:fld>
             <a:endParaRPr lang="en-US"/>
           </a:p>
@@ -3691,7 +3691,7 @@
           <a:p>
             <a:fld id="{BB941D6C-D6C1-41EB-BA2F-D2D7A1B80576}" type="datetimeFigureOut">
               <a:rPr lang="en-US" smtClean="0"/>
-              <a:t>10/14/2018</a:t>
+              <a:t>11/14/2018</a:t>
             </a:fld>
             <a:endParaRPr lang="en-US"/>
           </a:p>
@@ -3809,7 +3809,7 @@
           <a:p>
             <a:fld id="{BB941D6C-D6C1-41EB-BA2F-D2D7A1B80576}" type="datetimeFigureOut">
               <a:rPr lang="en-US" smtClean="0"/>
-              <a:t>10/14/2018</a:t>
+              <a:t>11/14/2018</a:t>
             </a:fld>
             <a:endParaRPr lang="en-US"/>
           </a:p>
@@ -3904,7 +3904,7 @@
           <a:p>
             <a:fld id="{BB941D6C-D6C1-41EB-BA2F-D2D7A1B80576}" type="datetimeFigureOut">
               <a:rPr lang="en-US" smtClean="0"/>
-              <a:t>10/14/2018</a:t>
+              <a:t>11/14/2018</a:t>
             </a:fld>
             <a:endParaRPr lang="en-US"/>
           </a:p>
@@ -4159,7 +4159,7 @@
           <a:p>
             <a:fld id="{BB941D6C-D6C1-41EB-BA2F-D2D7A1B80576}" type="datetimeFigureOut">
               <a:rPr lang="en-US" smtClean="0"/>
-              <a:t>10/14/2018</a:t>
+              <a:t>11/14/2018</a:t>
             </a:fld>
             <a:endParaRPr lang="en-US"/>
           </a:p>
@@ -4442,7 +4442,7 @@
           <a:p>
             <a:fld id="{BB941D6C-D6C1-41EB-BA2F-D2D7A1B80576}" type="datetimeFigureOut">
               <a:rPr lang="en-US" smtClean="0"/>
-              <a:t>10/14/2018</a:t>
+              <a:t>11/14/2018</a:t>
             </a:fld>
             <a:endParaRPr lang="en-US"/>
           </a:p>
@@ -4848,7 +4848,7 @@
           <a:p>
             <a:fld id="{BB941D6C-D6C1-41EB-BA2F-D2D7A1B80576}" type="datetimeFigureOut">
               <a:rPr lang="en-US" smtClean="0"/>
-              <a:t>10/14/2018</a:t>
+              <a:t>11/14/2018</a:t>
             </a:fld>
             <a:endParaRPr lang="en-US"/>
           </a:p>
@@ -5618,7 +5618,12 @@
             <p:ph idx="1"/>
           </p:nvPr>
         </p:nvSpPr>
-        <p:spPr/>
+        <p:spPr>
+          <a:xfrm>
+            <a:off x="750115" y="0"/>
+            <a:ext cx="8534400" cy="3615267"/>
+          </a:xfrm>
+        </p:spPr>
         <p:txBody>
           <a:bodyPr/>
           <a:lstStyle/>
@@ -5721,8 +5726,8 @@
         </p:blipFill>
         <p:spPr>
           <a:xfrm>
-            <a:off x="1071153" y="2842430"/>
-            <a:ext cx="5582196" cy="2737742"/>
+            <a:off x="819782" y="2389584"/>
+            <a:ext cx="7975875" cy="2846523"/>
           </a:xfrm>
           <a:prstGeom prst="rect">
             <a:avLst/>
@@ -5811,23 +5816,9 @@
           <a:bodyPr/>
           <a:lstStyle/>
           <a:p>
-            <a:r>
-              <a:rPr lang="en-US" dirty="0">
-                <a:solidFill>
-                  <a:schemeClr val="tx1"/>
-                </a:solidFill>
-                <a:latin typeface="Century Gothic (Body)"/>
-              </a:rPr>
-              <a:t>Action types </a:t>
-            </a:r>
-            <a:endParaRPr lang="en-US" dirty="0" smtClean="0">
-              <a:solidFill>
-                <a:schemeClr val="tx1"/>
-              </a:solidFill>
-              <a:latin typeface="Century Gothic (Body)"/>
-            </a:endParaRPr>
-          </a:p>
-          <a:p>
+            <a:pPr marL="0" indent="0">
+              <a:buNone/>
+            </a:pPr>
             <a:endParaRPr lang="en-US" dirty="0">
               <a:solidFill>
                 <a:schemeClr val="tx1"/>
@@ -5862,8 +5853,8 @@
         </p:blipFill>
         <p:spPr>
           <a:xfrm>
-            <a:off x="684212" y="2402077"/>
-            <a:ext cx="6277851" cy="1810003"/>
+            <a:off x="684212" y="1566054"/>
+            <a:ext cx="8187359" cy="2360544"/>
           </a:xfrm>
           <a:prstGeom prst="rect">
             <a:avLst/>
@@ -5949,7 +5940,7 @@
         </p:nvSpPr>
         <p:spPr>
           <a:xfrm>
-            <a:off x="879673" y="0"/>
+            <a:off x="710391" y="-60960"/>
             <a:ext cx="8534400" cy="2795451"/>
           </a:xfrm>
         </p:spPr>
@@ -6047,7 +6038,7 @@
         </p:blipFill>
         <p:spPr>
           <a:xfrm>
-            <a:off x="879673" y="1497874"/>
+            <a:off x="710391" y="1654628"/>
             <a:ext cx="7820190" cy="4001083"/>
           </a:xfrm>
           <a:prstGeom prst="rect">
@@ -6969,7 +6960,16 @@
                 </a:solidFill>
                 <a:latin typeface="Century Gothic (Body)"/>
               </a:rPr>
-              <a:t>Single </a:t>
+              <a:t>Single source of truth (</a:t>
+            </a:r>
+            <a:r>
+              <a:rPr lang="en-US" b="1" dirty="0" smtClean="0">
+                <a:solidFill>
+                  <a:schemeClr val="tx1"/>
+                </a:solidFill>
+                <a:latin typeface="Century Gothic (Body)"/>
+              </a:rPr>
+              <a:t>1 store only</a:t>
             </a:r>
             <a:r>
               <a:rPr lang="en-US" dirty="0" smtClean="0">
@@ -6978,17 +6978,21 @@
                 </a:solidFill>
                 <a:latin typeface="Century Gothic (Body)"/>
               </a:rPr>
-              <a:t>source of truth (</a:t>
-            </a:r>
-            <a:r>
-              <a:rPr lang="en-US" b="1" dirty="0" smtClean="0">
+              <a:t>)</a:t>
+            </a:r>
+          </a:p>
+          <a:p>
+            <a:r>
+              <a:rPr lang="en-US" dirty="0" smtClean="0">
                 <a:solidFill>
                   <a:schemeClr val="tx1"/>
                 </a:solidFill>
                 <a:latin typeface="Century Gothic (Body)"/>
               </a:rPr>
-              <a:t>1 store only</a:t>
-            </a:r>
+              <a:t>Local cache of data</a:t>
+            </a:r>
+          </a:p>
+          <a:p>
             <a:r>
               <a:rPr lang="en-US" dirty="0" smtClean="0">
                 <a:solidFill>
@@ -6996,7 +7000,7 @@
                 </a:solidFill>
                 <a:latin typeface="Century Gothic (Body)"/>
               </a:rPr>
-              <a:t>)</a:t>
+              <a:t>Render item instantly</a:t>
             </a:r>
           </a:p>
           <a:p>
@@ -7007,8 +7011,10 @@
                 </a:solidFill>
                 <a:latin typeface="Century Gothic (Body)"/>
               </a:rPr>
-              <a:t>Local </a:t>
-            </a:r>
+              <a:t>Avoid round trip to API</a:t>
+            </a:r>
+          </a:p>
+          <a:p>
             <a:r>
               <a:rPr lang="en-US" dirty="0" smtClean="0">
                 <a:solidFill>
@@ -7016,10 +7022,17 @@
                 </a:solidFill>
                 <a:latin typeface="Century Gothic (Body)"/>
               </a:rPr>
-              <a:t>cache of data</a:t>
-            </a:r>
-          </a:p>
-          <a:p>
+              <a:t>Scalable </a:t>
+            </a:r>
+            <a:r>
+              <a:rPr lang="en-US" dirty="0">
+                <a:solidFill>
+                  <a:schemeClr val="tx1"/>
+                </a:solidFill>
+                <a:latin typeface="Century Gothic (Body)"/>
+              </a:rPr>
+              <a:t>for </a:t>
+            </a:r>
             <a:r>
               <a:rPr lang="en-US" dirty="0" smtClean="0">
                 <a:solidFill>
@@ -7027,74 +7040,7 @@
                 </a:solidFill>
                 <a:latin typeface="Century Gothic (Body)"/>
               </a:rPr>
-              <a:t>Render </a:t>
-            </a:r>
-            <a:r>
-              <a:rPr lang="en-US" dirty="0" smtClean="0">
-                <a:solidFill>
-                  <a:schemeClr val="tx1"/>
-                </a:solidFill>
-                <a:latin typeface="Century Gothic (Body)"/>
-              </a:rPr>
-              <a:t>item instantly</a:t>
-            </a:r>
-          </a:p>
-          <a:p>
-            <a:r>
-              <a:rPr lang="en-US" dirty="0" smtClean="0">
-                <a:solidFill>
-                  <a:schemeClr val="tx1"/>
-                </a:solidFill>
-                <a:latin typeface="Century Gothic (Body)"/>
-              </a:rPr>
-              <a:t>Avoid </a:t>
-            </a:r>
-            <a:r>
-              <a:rPr lang="en-US" dirty="0" smtClean="0">
-                <a:solidFill>
-                  <a:schemeClr val="tx1"/>
-                </a:solidFill>
-                <a:latin typeface="Century Gothic (Body)"/>
-              </a:rPr>
-              <a:t>round trip to API</a:t>
-            </a:r>
-          </a:p>
-          <a:p>
-            <a:r>
-              <a:rPr lang="en-US" dirty="0" smtClean="0">
-                <a:solidFill>
-                  <a:schemeClr val="tx1"/>
-                </a:solidFill>
-                <a:latin typeface="Century Gothic (Body)"/>
-              </a:rPr>
-              <a:t>Scalable </a:t>
-            </a:r>
-            <a:r>
-              <a:rPr lang="en-US" dirty="0">
-                <a:solidFill>
-                  <a:schemeClr val="tx1"/>
-                </a:solidFill>
-                <a:latin typeface="Century Gothic (Body)"/>
-              </a:rPr>
-              <a:t>for </a:t>
-            </a:r>
-            <a:r>
-              <a:rPr lang="en-US" dirty="0" smtClean="0">
-                <a:solidFill>
-                  <a:schemeClr val="tx1"/>
-                </a:solidFill>
-                <a:latin typeface="Century Gothic (Body)"/>
-              </a:rPr>
-              <a:t>large </a:t>
-            </a:r>
-            <a:r>
-              <a:rPr lang="en-US" dirty="0" smtClean="0">
-                <a:solidFill>
-                  <a:schemeClr val="tx1"/>
-                </a:solidFill>
-                <a:latin typeface="Century Gothic (Body)"/>
-              </a:rPr>
-              <a:t>app</a:t>
+              <a:t>large app</a:t>
             </a:r>
             <a:endParaRPr lang="en-US" dirty="0">
               <a:solidFill>
@@ -7226,6 +7172,35 @@
               </a:rPr>
               <a:t>Actions describe state changes.</a:t>
             </a:r>
+          </a:p>
+          <a:p>
+            <a:r>
+              <a:rPr lang="en-US" dirty="0" smtClean="0">
+                <a:solidFill>
+                  <a:schemeClr val="tx1"/>
+                </a:solidFill>
+                <a:latin typeface="+mj-lt"/>
+              </a:rPr>
+              <a:t>State </a:t>
+            </a:r>
+            <a:r>
+              <a:rPr lang="en-US" dirty="0">
+                <a:solidFill>
+                  <a:schemeClr val="tx1"/>
+                </a:solidFill>
+                <a:latin typeface="+mj-lt"/>
+              </a:rPr>
+              <a:t>mutation can only be done by dispatching Actions</a:t>
+            </a:r>
+            <a:r>
+              <a:rPr lang="en-US" dirty="0" smtClean="0">
+                <a:solidFill>
+                  <a:schemeClr val="tx1"/>
+                </a:solidFill>
+                <a:latin typeface="+mj-lt"/>
+              </a:rPr>
+              <a:t>.</a:t>
+            </a:r>
             <a:endParaRPr lang="en-US" dirty="0">
               <a:solidFill>
                 <a:schemeClr val="tx1"/>
@@ -7234,31 +7209,20 @@
           </a:p>
           <a:p>
             <a:r>
+              <a:rPr lang="en-US" dirty="0">
+                <a:solidFill>
+                  <a:schemeClr val="tx1"/>
+                </a:solidFill>
+              </a:rPr>
+              <a:t>Changes are made with pure </a:t>
+            </a:r>
+            <a:r>
               <a:rPr lang="en-US" dirty="0" smtClean="0">
                 <a:solidFill>
                   <a:schemeClr val="tx1"/>
                 </a:solidFill>
-                <a:latin typeface="+mj-lt"/>
-              </a:rPr>
-              <a:t>State </a:t>
-            </a:r>
-            <a:r>
-              <a:rPr lang="en-US" dirty="0">
-                <a:solidFill>
-                  <a:schemeClr val="tx1"/>
-                </a:solidFill>
-                <a:latin typeface="+mj-lt"/>
-              </a:rPr>
-              <a:t>mutation can only be done by dispatching Actions</a:t>
-            </a:r>
-            <a:r>
-              <a:rPr lang="en-US" dirty="0" smtClean="0">
-                <a:solidFill>
-                  <a:schemeClr val="tx1"/>
-                </a:solidFill>
-                <a:latin typeface="+mj-lt"/>
-              </a:rPr>
-              <a:t>.</a:t>
+              </a:rPr>
+              <a:t>functions.</a:t>
             </a:r>
             <a:endParaRPr lang="en-US" dirty="0">
               <a:solidFill>
@@ -7268,45 +7232,22 @@
           </a:p>
           <a:p>
             <a:r>
+              <a:rPr lang="en-US" dirty="0" smtClean="0">
+                <a:solidFill>
+                  <a:schemeClr val="tx1"/>
+                </a:solidFill>
+                <a:latin typeface="+mj-lt"/>
+              </a:rPr>
+              <a:t>Reducer are </a:t>
+            </a:r>
+            <a:r>
               <a:rPr lang="en-US" dirty="0">
                 <a:solidFill>
                   <a:schemeClr val="tx1"/>
                 </a:solidFill>
-              </a:rPr>
-              <a:t>Changes are made with pure </a:t>
-            </a:r>
-            <a:r>
-              <a:rPr lang="en-US" dirty="0" smtClean="0">
-                <a:solidFill>
-                  <a:schemeClr val="tx1"/>
-                </a:solidFill>
-              </a:rPr>
-              <a:t>functions.</a:t>
-            </a:r>
-            <a:endParaRPr lang="en-US" dirty="0">
-              <a:solidFill>
-                <a:schemeClr val="tx1"/>
-              </a:solidFill>
-            </a:endParaRPr>
-          </a:p>
-          <a:p>
-            <a:r>
-              <a:rPr lang="en-US" dirty="0" smtClean="0">
-                <a:solidFill>
-                  <a:schemeClr val="tx1"/>
-                </a:solidFill>
                 <a:latin typeface="+mj-lt"/>
               </a:rPr>
-              <a:t>Only </a:t>
-            </a:r>
-            <a:r>
-              <a:rPr lang="en-US" dirty="0">
-                <a:solidFill>
-                  <a:schemeClr val="tx1"/>
-                </a:solidFill>
-                <a:latin typeface="+mj-lt"/>
-              </a:rPr>
-              <a:t>pure Reducer functions are capable of changing Application State</a:t>
+              <a:t>capable of changing Application State</a:t>
             </a:r>
             <a:r>
               <a:rPr lang="en-US" dirty="0" smtClean="0">
@@ -7613,19 +7554,7 @@
               <a:rPr lang="en-US" dirty="0">
                 <a:latin typeface="Century Gothic (Headings)"/>
               </a:rPr>
-              <a:t>Redux </a:t>
-            </a:r>
-            <a:r>
-              <a:rPr lang="en-US" dirty="0">
-                <a:latin typeface="Century Gothic (Headings)"/>
-              </a:rPr>
-              <a:t>architecture</a:t>
-            </a:r>
-            <a:r>
-              <a:rPr lang="en-US" dirty="0">
-                <a:latin typeface="Century Gothic (Headings)"/>
-              </a:rPr>
-              <a:t/>
+              <a:t>Redux architecture</a:t>
             </a:r>
             <a:br>
               <a:rPr lang="en-US" dirty="0">
@@ -7726,7 +7655,6 @@
               <a:rPr lang="en-US" dirty="0"/>
               <a:t>Overview of NGRX architecture</a:t>
             </a:r>
-            <a:endParaRPr lang="en-US" dirty="0"/>
           </a:p>
         </p:txBody>
       </p:sp>
